--- a/Presentación.pptx
+++ b/Presentación.pptx
@@ -11,14 +11,15 @@
     <p:sldId id="260" r:id="rId5"/>
     <p:sldId id="259" r:id="rId6"/>
     <p:sldId id="261" r:id="rId7"/>
-    <p:sldId id="262" r:id="rId8"/>
-    <p:sldId id="263" r:id="rId9"/>
-    <p:sldId id="264" r:id="rId10"/>
-    <p:sldId id="265" r:id="rId11"/>
-    <p:sldId id="266" r:id="rId12"/>
-    <p:sldId id="267" r:id="rId13"/>
-    <p:sldId id="268" r:id="rId14"/>
-    <p:sldId id="269" r:id="rId15"/>
+    <p:sldId id="270" r:id="rId8"/>
+    <p:sldId id="262" r:id="rId9"/>
+    <p:sldId id="263" r:id="rId10"/>
+    <p:sldId id="264" r:id="rId11"/>
+    <p:sldId id="265" r:id="rId12"/>
+    <p:sldId id="266" r:id="rId13"/>
+    <p:sldId id="267" r:id="rId14"/>
+    <p:sldId id="268" r:id="rId15"/>
+    <p:sldId id="269" r:id="rId16"/>
   </p:sldIdLst>
   <p:sldSz cx="12192000" cy="6858000"/>
   <p:notesSz cx="6858000" cy="9144000"/>
@@ -117,6 +118,11 @@
       </a:defRPr>
     </a:lvl9pPr>
   </p:defaultTextStyle>
+  <p:extLst>
+    <p:ext uri="{EFAFB233-063F-42B5-8137-9DF3F51BA10A}">
+      <p15:sldGuideLst xmlns:p15="http://schemas.microsoft.com/office/powerpoint/2012/main"/>
+    </p:ext>
+  </p:extLst>
 </p:presentation>
 </file>
 
@@ -170,7 +176,7 @@
           <a:noFill/>
           <a:extLst>
             <a:ext uri="{909E8E84-426E-40dd-AFC4-6F175D3DCCD1}">
-              <a14:hiddenFill xmlns:a14="http://schemas.microsoft.com/office/drawing/2010/main" xmlns="">
+              <a14:hiddenFill xmlns="" xmlns:a14="http://schemas.microsoft.com/office/drawing/2010/main">
                 <a:solidFill>
                   <a:srgbClr val="FFFFFF"/>
                 </a:solidFill>
@@ -230,7 +236,7 @@
             </a:ln>
             <a:extLst>
               <a:ext uri="{91240B29-F687-4f45-9708-019B960494DF}">
-                <a14:hiddenLine xmlns:a14="http://schemas.microsoft.com/office/drawing/2010/main" xmlns="" w="9525">
+                <a14:hiddenLine xmlns="" xmlns:a14="http://schemas.microsoft.com/office/drawing/2010/main" w="9525">
                   <a:solidFill>
                     <a:srgbClr val="000000"/>
                   </a:solidFill>
@@ -320,7 +326,7 @@
             </a:ln>
             <a:extLst>
               <a:ext uri="{91240B29-F687-4f45-9708-019B960494DF}">
-                <a14:hiddenLine xmlns:a14="http://schemas.microsoft.com/office/drawing/2010/main" xmlns="" w="9525">
+                <a14:hiddenLine xmlns="" xmlns:a14="http://schemas.microsoft.com/office/drawing/2010/main" w="9525">
                   <a:solidFill>
                     <a:srgbClr val="000000"/>
                   </a:solidFill>
@@ -410,7 +416,7 @@
             </a:ln>
             <a:extLst>
               <a:ext uri="{91240B29-F687-4f45-9708-019B960494DF}">
-                <a14:hiddenLine xmlns:a14="http://schemas.microsoft.com/office/drawing/2010/main" xmlns="" w="9525">
+                <a14:hiddenLine xmlns="" xmlns:a14="http://schemas.microsoft.com/office/drawing/2010/main" w="9525">
                   <a:solidFill>
                     <a:srgbClr val="000000"/>
                   </a:solidFill>
@@ -444,7 +450,7 @@
             </a:ln>
             <a:extLst>
               <a:ext uri="{91240B29-F687-4f45-9708-019B960494DF}">
-                <a14:hiddenLine xmlns:a14="http://schemas.microsoft.com/office/drawing/2010/main" xmlns="" w="9525">
+                <a14:hiddenLine xmlns="" xmlns:a14="http://schemas.microsoft.com/office/drawing/2010/main" w="9525">
                   <a:solidFill>
                     <a:srgbClr val="000000"/>
                   </a:solidFill>
@@ -534,7 +540,7 @@
             </a:ln>
             <a:extLst>
               <a:ext uri="{91240B29-F687-4f45-9708-019B960494DF}">
-                <a14:hiddenLine xmlns:a14="http://schemas.microsoft.com/office/drawing/2010/main" xmlns="" w="9525">
+                <a14:hiddenLine xmlns="" xmlns:a14="http://schemas.microsoft.com/office/drawing/2010/main" w="9525">
                   <a:solidFill>
                     <a:srgbClr val="000000"/>
                   </a:solidFill>
@@ -596,7 +602,7 @@
             </a:ln>
             <a:extLst>
               <a:ext uri="{91240B29-F687-4f45-9708-019B960494DF}">
-                <a14:hiddenLine xmlns:a14="http://schemas.microsoft.com/office/drawing/2010/main" xmlns="" w="9525">
+                <a14:hiddenLine xmlns="" xmlns:a14="http://schemas.microsoft.com/office/drawing/2010/main" w="9525">
                   <a:solidFill>
                     <a:srgbClr val="000000"/>
                   </a:solidFill>
@@ -658,7 +664,7 @@
             </a:ln>
             <a:extLst>
               <a:ext uri="{91240B29-F687-4f45-9708-019B960494DF}">
-                <a14:hiddenLine xmlns:a14="http://schemas.microsoft.com/office/drawing/2010/main" xmlns="" w="9525">
+                <a14:hiddenLine xmlns="" xmlns:a14="http://schemas.microsoft.com/office/drawing/2010/main" w="9525">
                   <a:solidFill>
                     <a:srgbClr val="000000"/>
                   </a:solidFill>
@@ -748,7 +754,7 @@
             </a:ln>
             <a:extLst>
               <a:ext uri="{91240B29-F687-4f45-9708-019B960494DF}">
-                <a14:hiddenLine xmlns:a14="http://schemas.microsoft.com/office/drawing/2010/main" xmlns="" w="9525">
+                <a14:hiddenLine xmlns="" xmlns:a14="http://schemas.microsoft.com/office/drawing/2010/main" w="9525">
                   <a:solidFill>
                     <a:srgbClr val="000000"/>
                   </a:solidFill>
@@ -810,7 +816,7 @@
             </a:ln>
             <a:extLst>
               <a:ext uri="{91240B29-F687-4f45-9708-019B960494DF}">
-                <a14:hiddenLine xmlns:a14="http://schemas.microsoft.com/office/drawing/2010/main" xmlns="" w="9525">
+                <a14:hiddenLine xmlns="" xmlns:a14="http://schemas.microsoft.com/office/drawing/2010/main" w="9525">
                   <a:solidFill>
                     <a:srgbClr val="000000"/>
                   </a:solidFill>
@@ -872,7 +878,7 @@
             </a:ln>
             <a:extLst>
               <a:ext uri="{91240B29-F687-4f45-9708-019B960494DF}">
-                <a14:hiddenLine xmlns:a14="http://schemas.microsoft.com/office/drawing/2010/main" xmlns="" w="9525">
+                <a14:hiddenLine xmlns="" xmlns:a14="http://schemas.microsoft.com/office/drawing/2010/main" w="9525">
                   <a:solidFill>
                     <a:srgbClr val="000000"/>
                   </a:solidFill>
@@ -962,7 +968,7 @@
             </a:ln>
             <a:extLst>
               <a:ext uri="{91240B29-F687-4f45-9708-019B960494DF}">
-                <a14:hiddenLine xmlns:a14="http://schemas.microsoft.com/office/drawing/2010/main" xmlns="" w="9525">
+                <a14:hiddenLine xmlns="" xmlns:a14="http://schemas.microsoft.com/office/drawing/2010/main" w="9525">
                   <a:solidFill>
                     <a:srgbClr val="000000"/>
                   </a:solidFill>
@@ -1052,7 +1058,7 @@
             </a:ln>
             <a:extLst>
               <a:ext uri="{91240B29-F687-4f45-9708-019B960494DF}">
-                <a14:hiddenLine xmlns:a14="http://schemas.microsoft.com/office/drawing/2010/main" xmlns="" w="9525">
+                <a14:hiddenLine xmlns="" xmlns:a14="http://schemas.microsoft.com/office/drawing/2010/main" w="9525">
                   <a:solidFill>
                     <a:srgbClr val="000000"/>
                   </a:solidFill>
@@ -1114,7 +1120,7 @@
             </a:ln>
             <a:extLst>
               <a:ext uri="{91240B29-F687-4f45-9708-019B960494DF}">
-                <a14:hiddenLine xmlns:a14="http://schemas.microsoft.com/office/drawing/2010/main" xmlns="" w="9525">
+                <a14:hiddenLine xmlns="" xmlns:a14="http://schemas.microsoft.com/office/drawing/2010/main" w="9525">
                   <a:solidFill>
                     <a:srgbClr val="000000"/>
                   </a:solidFill>
@@ -1224,7 +1230,7 @@
             </a:ln>
             <a:extLst>
               <a:ext uri="{91240B29-F687-4f45-9708-019B960494DF}">
-                <a14:hiddenLine xmlns:a14="http://schemas.microsoft.com/office/drawing/2010/main" xmlns="" w="9525">
+                <a14:hiddenLine xmlns="" xmlns:a14="http://schemas.microsoft.com/office/drawing/2010/main" w="9525">
                   <a:solidFill>
                     <a:srgbClr val="000000"/>
                   </a:solidFill>
@@ -1286,7 +1292,7 @@
             </a:ln>
             <a:extLst>
               <a:ext uri="{91240B29-F687-4f45-9708-019B960494DF}">
-                <a14:hiddenLine xmlns:a14="http://schemas.microsoft.com/office/drawing/2010/main" xmlns="" w="9525">
+                <a14:hiddenLine xmlns="" xmlns:a14="http://schemas.microsoft.com/office/drawing/2010/main" w="9525">
                   <a:solidFill>
                     <a:srgbClr val="000000"/>
                   </a:solidFill>
@@ -1376,7 +1382,7 @@
             </a:ln>
             <a:extLst>
               <a:ext uri="{91240B29-F687-4f45-9708-019B960494DF}">
-                <a14:hiddenLine xmlns:a14="http://schemas.microsoft.com/office/drawing/2010/main" xmlns="" w="9525">
+                <a14:hiddenLine xmlns="" xmlns:a14="http://schemas.microsoft.com/office/drawing/2010/main" w="9525">
                   <a:solidFill>
                     <a:srgbClr val="000000"/>
                   </a:solidFill>
@@ -1466,7 +1472,7 @@
             </a:ln>
             <a:extLst>
               <a:ext uri="{91240B29-F687-4f45-9708-019B960494DF}">
-                <a14:hiddenLine xmlns:a14="http://schemas.microsoft.com/office/drawing/2010/main" xmlns="" w="9525">
+                <a14:hiddenLine xmlns="" xmlns:a14="http://schemas.microsoft.com/office/drawing/2010/main" w="9525">
                   <a:solidFill>
                     <a:srgbClr val="000000"/>
                   </a:solidFill>
@@ -1528,7 +1534,7 @@
             </a:ln>
             <a:extLst>
               <a:ext uri="{91240B29-F687-4f45-9708-019B960494DF}">
-                <a14:hiddenLine xmlns:a14="http://schemas.microsoft.com/office/drawing/2010/main" xmlns="" w="9525">
+                <a14:hiddenLine xmlns="" xmlns:a14="http://schemas.microsoft.com/office/drawing/2010/main" w="9525">
                   <a:solidFill>
                     <a:srgbClr val="000000"/>
                   </a:solidFill>
@@ -1618,7 +1624,7 @@
             </a:ln>
             <a:extLst>
               <a:ext uri="{91240B29-F687-4f45-9708-019B960494DF}">
-                <a14:hiddenLine xmlns:a14="http://schemas.microsoft.com/office/drawing/2010/main" xmlns="" w="9525">
+                <a14:hiddenLine xmlns="" xmlns:a14="http://schemas.microsoft.com/office/drawing/2010/main" w="9525">
                   <a:solidFill>
                     <a:srgbClr val="000000"/>
                   </a:solidFill>
@@ -1708,7 +1714,7 @@
             </a:ln>
             <a:extLst>
               <a:ext uri="{91240B29-F687-4f45-9708-019B960494DF}">
-                <a14:hiddenLine xmlns:a14="http://schemas.microsoft.com/office/drawing/2010/main" xmlns="" w="9525">
+                <a14:hiddenLine xmlns="" xmlns:a14="http://schemas.microsoft.com/office/drawing/2010/main" w="9525">
                   <a:solidFill>
                     <a:srgbClr val="000000"/>
                   </a:solidFill>
@@ -1764,7 +1770,7 @@
             </a:ln>
             <a:extLst>
               <a:ext uri="{91240B29-F687-4f45-9708-019B960494DF}">
-                <a14:hiddenLine xmlns:a14="http://schemas.microsoft.com/office/drawing/2010/main" xmlns="" w="9525">
+                <a14:hiddenLine xmlns="" xmlns:a14="http://schemas.microsoft.com/office/drawing/2010/main" w="9525">
                   <a:solidFill>
                     <a:srgbClr val="000000"/>
                   </a:solidFill>
@@ -1854,7 +1860,7 @@
             </a:ln>
             <a:extLst>
               <a:ext uri="{91240B29-F687-4f45-9708-019B960494DF}">
-                <a14:hiddenLine xmlns:a14="http://schemas.microsoft.com/office/drawing/2010/main" xmlns="" w="9525">
+                <a14:hiddenLine xmlns="" xmlns:a14="http://schemas.microsoft.com/office/drawing/2010/main" w="9525">
                   <a:solidFill>
                     <a:srgbClr val="000000"/>
                   </a:solidFill>
@@ -1910,7 +1916,7 @@
             </a:ln>
             <a:extLst>
               <a:ext uri="{91240B29-F687-4f45-9708-019B960494DF}">
-                <a14:hiddenLine xmlns:a14="http://schemas.microsoft.com/office/drawing/2010/main" xmlns="" w="9525">
+                <a14:hiddenLine xmlns="" xmlns:a14="http://schemas.microsoft.com/office/drawing/2010/main" w="9525">
                   <a:solidFill>
                     <a:srgbClr val="000000"/>
                   </a:solidFill>
@@ -2000,7 +2006,7 @@
             </a:ln>
             <a:extLst>
               <a:ext uri="{91240B29-F687-4f45-9708-019B960494DF}">
-                <a14:hiddenLine xmlns:a14="http://schemas.microsoft.com/office/drawing/2010/main" xmlns="" w="9525">
+                <a14:hiddenLine xmlns="" xmlns:a14="http://schemas.microsoft.com/office/drawing/2010/main" w="9525">
                   <a:solidFill>
                     <a:srgbClr val="000000"/>
                   </a:solidFill>
@@ -2068,7 +2074,7 @@
             </a:ln>
             <a:extLst>
               <a:ext uri="{91240B29-F687-4f45-9708-019B960494DF}">
-                <a14:hiddenLine xmlns:a14="http://schemas.microsoft.com/office/drawing/2010/main" xmlns="" w="9525">
+                <a14:hiddenLine xmlns="" xmlns:a14="http://schemas.microsoft.com/office/drawing/2010/main" w="9525">
                   <a:solidFill>
                     <a:srgbClr val="000000"/>
                   </a:solidFill>
@@ -2158,7 +2164,7 @@
             </a:ln>
             <a:extLst>
               <a:ext uri="{91240B29-F687-4f45-9708-019B960494DF}">
-                <a14:hiddenLine xmlns:a14="http://schemas.microsoft.com/office/drawing/2010/main" xmlns="" w="9525">
+                <a14:hiddenLine xmlns="" xmlns:a14="http://schemas.microsoft.com/office/drawing/2010/main" w="9525">
                   <a:solidFill>
                     <a:srgbClr val="000000"/>
                   </a:solidFill>
@@ -2226,7 +2232,7 @@
             </a:ln>
             <a:extLst>
               <a:ext uri="{91240B29-F687-4f45-9708-019B960494DF}">
-                <a14:hiddenLine xmlns:a14="http://schemas.microsoft.com/office/drawing/2010/main" xmlns="" w="9525">
+                <a14:hiddenLine xmlns="" xmlns:a14="http://schemas.microsoft.com/office/drawing/2010/main" w="9525">
                   <a:solidFill>
                     <a:srgbClr val="000000"/>
                   </a:solidFill>
@@ -2316,7 +2322,7 @@
             </a:ln>
             <a:extLst>
               <a:ext uri="{91240B29-F687-4f45-9708-019B960494DF}">
-                <a14:hiddenLine xmlns:a14="http://schemas.microsoft.com/office/drawing/2010/main" xmlns="" w="9525">
+                <a14:hiddenLine xmlns="" xmlns:a14="http://schemas.microsoft.com/office/drawing/2010/main" w="9525">
                   <a:solidFill>
                     <a:srgbClr val="000000"/>
                   </a:solidFill>
@@ -2350,7 +2356,7 @@
             </a:ln>
             <a:extLst>
               <a:ext uri="{91240B29-F687-4f45-9708-019B960494DF}">
-                <a14:hiddenLine xmlns:a14="http://schemas.microsoft.com/office/drawing/2010/main" xmlns="" w="9525">
+                <a14:hiddenLine xmlns="" xmlns:a14="http://schemas.microsoft.com/office/drawing/2010/main" w="9525">
                   <a:solidFill>
                     <a:srgbClr val="000000"/>
                   </a:solidFill>
@@ -2440,7 +2446,7 @@
             </a:ln>
             <a:extLst>
               <a:ext uri="{91240B29-F687-4f45-9708-019B960494DF}">
-                <a14:hiddenLine xmlns:a14="http://schemas.microsoft.com/office/drawing/2010/main" xmlns="" w="9525">
+                <a14:hiddenLine xmlns="" xmlns:a14="http://schemas.microsoft.com/office/drawing/2010/main" w="9525">
                   <a:solidFill>
                     <a:srgbClr val="000000"/>
                   </a:solidFill>
@@ -2502,7 +2508,7 @@
             </a:ln>
             <a:extLst>
               <a:ext uri="{91240B29-F687-4f45-9708-019B960494DF}">
-                <a14:hiddenLine xmlns:a14="http://schemas.microsoft.com/office/drawing/2010/main" xmlns="" w="9525">
+                <a14:hiddenLine xmlns="" xmlns:a14="http://schemas.microsoft.com/office/drawing/2010/main" w="9525">
                   <a:solidFill>
                     <a:srgbClr val="000000"/>
                   </a:solidFill>
@@ -2564,7 +2570,7 @@
             </a:ln>
             <a:extLst>
               <a:ext uri="{91240B29-F687-4f45-9708-019B960494DF}">
-                <a14:hiddenLine xmlns:a14="http://schemas.microsoft.com/office/drawing/2010/main" xmlns="" w="9525">
+                <a14:hiddenLine xmlns="" xmlns:a14="http://schemas.microsoft.com/office/drawing/2010/main" w="9525">
                   <a:solidFill>
                     <a:srgbClr val="000000"/>
                   </a:solidFill>
@@ -2654,7 +2660,7 @@
             </a:ln>
             <a:extLst>
               <a:ext uri="{91240B29-F687-4f45-9708-019B960494DF}">
-                <a14:hiddenLine xmlns:a14="http://schemas.microsoft.com/office/drawing/2010/main" xmlns="" w="9525">
+                <a14:hiddenLine xmlns="" xmlns:a14="http://schemas.microsoft.com/office/drawing/2010/main" w="9525">
                   <a:solidFill>
                     <a:srgbClr val="000000"/>
                   </a:solidFill>
@@ -2722,7 +2728,7 @@
             </a:ln>
             <a:extLst>
               <a:ext uri="{91240B29-F687-4f45-9708-019B960494DF}">
-                <a14:hiddenLine xmlns:a14="http://schemas.microsoft.com/office/drawing/2010/main" xmlns="" w="9525">
+                <a14:hiddenLine xmlns="" xmlns:a14="http://schemas.microsoft.com/office/drawing/2010/main" w="9525">
                   <a:solidFill>
                     <a:srgbClr val="000000"/>
                   </a:solidFill>
@@ -2784,7 +2790,7 @@
             </a:ln>
             <a:extLst>
               <a:ext uri="{91240B29-F687-4f45-9708-019B960494DF}">
-                <a14:hiddenLine xmlns:a14="http://schemas.microsoft.com/office/drawing/2010/main" xmlns="" w="9525">
+                <a14:hiddenLine xmlns="" xmlns:a14="http://schemas.microsoft.com/office/drawing/2010/main" w="9525">
                   <a:solidFill>
                     <a:srgbClr val="000000"/>
                   </a:solidFill>
@@ -2874,7 +2880,7 @@
             </a:ln>
             <a:extLst>
               <a:ext uri="{91240B29-F687-4f45-9708-019B960494DF}">
-                <a14:hiddenLine xmlns:a14="http://schemas.microsoft.com/office/drawing/2010/main" xmlns="" w="9525">
+                <a14:hiddenLine xmlns="" xmlns:a14="http://schemas.microsoft.com/office/drawing/2010/main" w="9525">
                   <a:solidFill>
                     <a:srgbClr val="000000"/>
                   </a:solidFill>
@@ -2936,7 +2942,7 @@
             </a:ln>
             <a:extLst>
               <a:ext uri="{91240B29-F687-4f45-9708-019B960494DF}">
-                <a14:hiddenLine xmlns:a14="http://schemas.microsoft.com/office/drawing/2010/main" xmlns="" w="9525">
+                <a14:hiddenLine xmlns="" xmlns:a14="http://schemas.microsoft.com/office/drawing/2010/main" w="9525">
                   <a:solidFill>
                     <a:srgbClr val="000000"/>
                   </a:solidFill>
@@ -3026,7 +3032,7 @@
             </a:ln>
             <a:extLst>
               <a:ext uri="{91240B29-F687-4f45-9708-019B960494DF}">
-                <a14:hiddenLine xmlns:a14="http://schemas.microsoft.com/office/drawing/2010/main" xmlns="" w="9525">
+                <a14:hiddenLine xmlns="" xmlns:a14="http://schemas.microsoft.com/office/drawing/2010/main" w="9525">
                   <a:solidFill>
                     <a:srgbClr val="000000"/>
                   </a:solidFill>
@@ -3088,7 +3094,7 @@
             </a:ln>
             <a:extLst>
               <a:ext uri="{91240B29-F687-4f45-9708-019B960494DF}">
-                <a14:hiddenLine xmlns:a14="http://schemas.microsoft.com/office/drawing/2010/main" xmlns="" w="9525">
+                <a14:hiddenLine xmlns="" xmlns:a14="http://schemas.microsoft.com/office/drawing/2010/main" w="9525">
                   <a:solidFill>
                     <a:srgbClr val="000000"/>
                   </a:solidFill>
@@ -3178,7 +3184,7 @@
             </a:ln>
             <a:extLst>
               <a:ext uri="{91240B29-F687-4f45-9708-019B960494DF}">
-                <a14:hiddenLine xmlns:a14="http://schemas.microsoft.com/office/drawing/2010/main" xmlns="" w="9525">
+                <a14:hiddenLine xmlns="" xmlns:a14="http://schemas.microsoft.com/office/drawing/2010/main" w="9525">
                   <a:solidFill>
                     <a:srgbClr val="000000"/>
                   </a:solidFill>
@@ -3212,7 +3218,7 @@
             </a:ln>
             <a:extLst>
               <a:ext uri="{91240B29-F687-4f45-9708-019B960494DF}">
-                <a14:hiddenLine xmlns:a14="http://schemas.microsoft.com/office/drawing/2010/main" xmlns="" w="9525">
+                <a14:hiddenLine xmlns="" xmlns:a14="http://schemas.microsoft.com/office/drawing/2010/main" w="9525">
                   <a:solidFill>
                     <a:srgbClr val="000000"/>
                   </a:solidFill>
@@ -3277,7 +3283,7 @@
             </a:ln>
             <a:extLst>
               <a:ext uri="{91240B29-F687-4f45-9708-019B960494DF}">
-                <a14:hiddenLine xmlns:a14="http://schemas.microsoft.com/office/drawing/2010/main" xmlns="" w="9525">
+                <a14:hiddenLine xmlns="" xmlns:a14="http://schemas.microsoft.com/office/drawing/2010/main" w="9525">
                   <a:solidFill>
                     <a:srgbClr val="000000"/>
                   </a:solidFill>
@@ -3367,7 +3373,7 @@
             </a:ln>
             <a:extLst>
               <a:ext uri="{91240B29-F687-4f45-9708-019B960494DF}">
-                <a14:hiddenLine xmlns:a14="http://schemas.microsoft.com/office/drawing/2010/main" xmlns="" w="9525">
+                <a14:hiddenLine xmlns="" xmlns:a14="http://schemas.microsoft.com/office/drawing/2010/main" w="9525">
                   <a:solidFill>
                     <a:srgbClr val="000000"/>
                   </a:solidFill>
@@ -3429,7 +3435,7 @@
             </a:ln>
             <a:extLst>
               <a:ext uri="{91240B29-F687-4f45-9708-019B960494DF}">
-                <a14:hiddenLine xmlns:a14="http://schemas.microsoft.com/office/drawing/2010/main" xmlns="" w="9525">
+                <a14:hiddenLine xmlns="" xmlns:a14="http://schemas.microsoft.com/office/drawing/2010/main" w="9525">
                   <a:solidFill>
                     <a:srgbClr val="000000"/>
                   </a:solidFill>
@@ -3519,7 +3525,7 @@
             </a:ln>
             <a:extLst>
               <a:ext uri="{91240B29-F687-4f45-9708-019B960494DF}">
-                <a14:hiddenLine xmlns:a14="http://schemas.microsoft.com/office/drawing/2010/main" xmlns="" w="9525">
+                <a14:hiddenLine xmlns="" xmlns:a14="http://schemas.microsoft.com/office/drawing/2010/main" w="9525">
                   <a:solidFill>
                     <a:srgbClr val="000000"/>
                   </a:solidFill>
@@ -3609,7 +3615,7 @@
             </a:ln>
             <a:extLst>
               <a:ext uri="{91240B29-F687-4f45-9708-019B960494DF}">
-                <a14:hiddenLine xmlns:a14="http://schemas.microsoft.com/office/drawing/2010/main" xmlns="" w="9525">
+                <a14:hiddenLine xmlns="" xmlns:a14="http://schemas.microsoft.com/office/drawing/2010/main" w="9525">
                   <a:solidFill>
                     <a:srgbClr val="000000"/>
                   </a:solidFill>
@@ -3674,7 +3680,7 @@
             </a:ln>
             <a:extLst>
               <a:ext uri="{91240B29-F687-4f45-9708-019B960494DF}">
-                <a14:hiddenLine xmlns:a14="http://schemas.microsoft.com/office/drawing/2010/main" xmlns="" w="9525">
+                <a14:hiddenLine xmlns="" xmlns:a14="http://schemas.microsoft.com/office/drawing/2010/main" w="9525">
                   <a:solidFill>
                     <a:srgbClr val="000000"/>
                   </a:solidFill>
@@ -3736,7 +3742,7 @@
             </a:ln>
             <a:extLst>
               <a:ext uri="{91240B29-F687-4f45-9708-019B960494DF}">
-                <a14:hiddenLine xmlns:a14="http://schemas.microsoft.com/office/drawing/2010/main" xmlns="" w="9525">
+                <a14:hiddenLine xmlns="" xmlns:a14="http://schemas.microsoft.com/office/drawing/2010/main" w="9525">
                   <a:solidFill>
                     <a:srgbClr val="000000"/>
                   </a:solidFill>
@@ -3826,7 +3832,7 @@
             </a:ln>
             <a:extLst>
               <a:ext uri="{91240B29-F687-4f45-9708-019B960494DF}">
-                <a14:hiddenLine xmlns:a14="http://schemas.microsoft.com/office/drawing/2010/main" xmlns="" w="9525">
+                <a14:hiddenLine xmlns="" xmlns:a14="http://schemas.microsoft.com/office/drawing/2010/main" w="9525">
                   <a:solidFill>
                     <a:srgbClr val="000000"/>
                   </a:solidFill>
@@ -3916,7 +3922,7 @@
             </a:ln>
             <a:extLst>
               <a:ext uri="{91240B29-F687-4f45-9708-019B960494DF}">
-                <a14:hiddenLine xmlns:a14="http://schemas.microsoft.com/office/drawing/2010/main" xmlns="" w="9525">
+                <a14:hiddenLine xmlns="" xmlns:a14="http://schemas.microsoft.com/office/drawing/2010/main" w="9525">
                   <a:solidFill>
                     <a:srgbClr val="000000"/>
                   </a:solidFill>
@@ -3978,7 +3984,7 @@
             </a:ln>
             <a:extLst>
               <a:ext uri="{91240B29-F687-4f45-9708-019B960494DF}">
-                <a14:hiddenLine xmlns:a14="http://schemas.microsoft.com/office/drawing/2010/main" xmlns="" w="9525">
+                <a14:hiddenLine xmlns="" xmlns:a14="http://schemas.microsoft.com/office/drawing/2010/main" w="9525">
                   <a:solidFill>
                     <a:srgbClr val="000000"/>
                   </a:solidFill>
@@ -4098,7 +4104,7 @@
             </a:ln>
             <a:extLst>
               <a:ext uri="{91240B29-F687-4f45-9708-019B960494DF}">
-                <a14:hiddenLine xmlns:a14="http://schemas.microsoft.com/office/drawing/2010/main" xmlns="" w="9525">
+                <a14:hiddenLine xmlns="" xmlns:a14="http://schemas.microsoft.com/office/drawing/2010/main" w="9525">
                   <a:solidFill>
                     <a:srgbClr val="000000"/>
                   </a:solidFill>
@@ -4166,7 +4172,7 @@
             </a:ln>
             <a:extLst>
               <a:ext uri="{91240B29-F687-4f45-9708-019B960494DF}">
-                <a14:hiddenLine xmlns:a14="http://schemas.microsoft.com/office/drawing/2010/main" xmlns="" w="9525">
+                <a14:hiddenLine xmlns="" xmlns:a14="http://schemas.microsoft.com/office/drawing/2010/main" w="9525">
                   <a:solidFill>
                     <a:srgbClr val="000000"/>
                   </a:solidFill>
@@ -4256,7 +4262,7 @@
             </a:ln>
             <a:extLst>
               <a:ext uri="{91240B29-F687-4f45-9708-019B960494DF}">
-                <a14:hiddenLine xmlns:a14="http://schemas.microsoft.com/office/drawing/2010/main" xmlns="" w="9525">
+                <a14:hiddenLine xmlns="" xmlns:a14="http://schemas.microsoft.com/office/drawing/2010/main" w="9525">
                   <a:solidFill>
                     <a:srgbClr val="000000"/>
                   </a:solidFill>
@@ -4397,7 +4403,7 @@
             <a:fld id="{B61BEF0D-F0BB-DE4B-95CE-6DB70DBA9567}" type="datetimeFigureOut">
               <a:rPr lang="en-US" smtClean="0"/>
               <a:pPr/>
-              <a:t>4/17/2016</a:t>
+              <a:t>4/26/2016</a:t>
             </a:fld>
             <a:endParaRPr lang="en-US" dirty="0"/>
           </a:p>
@@ -4666,7 +4672,7 @@
             <a:fld id="{B61BEF0D-F0BB-DE4B-95CE-6DB70DBA9567}" type="datetimeFigureOut">
               <a:rPr lang="en-US" smtClean="0"/>
               <a:pPr/>
-              <a:t>4/17/2016</a:t>
+              <a:t>4/26/2016</a:t>
             </a:fld>
             <a:endParaRPr lang="en-US" dirty="0"/>
           </a:p>
@@ -4864,7 +4870,7 @@
             <a:fld id="{B61BEF0D-F0BB-DE4B-95CE-6DB70DBA9567}" type="datetimeFigureOut">
               <a:rPr lang="en-US" smtClean="0"/>
               <a:pPr/>
-              <a:t>4/17/2016</a:t>
+              <a:t>4/26/2016</a:t>
             </a:fld>
             <a:endParaRPr lang="en-US" dirty="0"/>
           </a:p>
@@ -5129,7 +5135,7 @@
             <a:fld id="{B61BEF0D-F0BB-DE4B-95CE-6DB70DBA9567}" type="datetimeFigureOut">
               <a:rPr lang="en-US" smtClean="0"/>
               <a:pPr/>
-              <a:t>4/17/2016</a:t>
+              <a:t>4/26/2016</a:t>
             </a:fld>
             <a:endParaRPr lang="en-US" dirty="0"/>
           </a:p>
@@ -5565,7 +5571,7 @@
             <a:fld id="{B61BEF0D-F0BB-DE4B-95CE-6DB70DBA9567}" type="datetimeFigureOut">
               <a:rPr lang="en-US" smtClean="0"/>
               <a:pPr/>
-              <a:t>4/17/2016</a:t>
+              <a:t>4/26/2016</a:t>
             </a:fld>
             <a:endParaRPr lang="en-US" dirty="0"/>
           </a:p>
@@ -6113,7 +6119,7 @@
             <a:fld id="{B61BEF0D-F0BB-DE4B-95CE-6DB70DBA9567}" type="datetimeFigureOut">
               <a:rPr lang="en-US" smtClean="0"/>
               <a:pPr/>
-              <a:t>4/17/2016</a:t>
+              <a:t>4/26/2016</a:t>
             </a:fld>
             <a:endParaRPr lang="en-US" dirty="0"/>
           </a:p>
@@ -6835,7 +6841,7 @@
             <a:fld id="{B61BEF0D-F0BB-DE4B-95CE-6DB70DBA9567}" type="datetimeFigureOut">
               <a:rPr lang="en-US" smtClean="0"/>
               <a:pPr/>
-              <a:t>4/17/2016</a:t>
+              <a:t>4/26/2016</a:t>
             </a:fld>
             <a:endParaRPr lang="en-US" dirty="0"/>
           </a:p>
@@ -7007,7 +7013,7 @@
             <a:fld id="{B61BEF0D-F0BB-DE4B-95CE-6DB70DBA9567}" type="datetimeFigureOut">
               <a:rPr lang="en-US" smtClean="0"/>
               <a:pPr/>
-              <a:t>4/17/2016</a:t>
+              <a:t>4/26/2016</a:t>
             </a:fld>
             <a:endParaRPr lang="en-US" dirty="0"/>
           </a:p>
@@ -7189,7 +7195,7 @@
             <a:fld id="{B61BEF0D-F0BB-DE4B-95CE-6DB70DBA9567}" type="datetimeFigureOut">
               <a:rPr lang="en-US" smtClean="0"/>
               <a:pPr/>
-              <a:t>4/17/2016</a:t>
+              <a:t>4/26/2016</a:t>
             </a:fld>
             <a:endParaRPr lang="en-US" dirty="0"/>
           </a:p>
@@ -7361,7 +7367,7 @@
             <a:fld id="{B61BEF0D-F0BB-DE4B-95CE-6DB70DBA9567}" type="datetimeFigureOut">
               <a:rPr lang="en-US" smtClean="0"/>
               <a:pPr/>
-              <a:t>4/17/2016</a:t>
+              <a:t>4/26/2016</a:t>
             </a:fld>
             <a:endParaRPr lang="en-US" dirty="0"/>
           </a:p>
@@ -7613,7 +7619,7 @@
             <a:fld id="{B61BEF0D-F0BB-DE4B-95CE-6DB70DBA9567}" type="datetimeFigureOut">
               <a:rPr lang="en-US" smtClean="0"/>
               <a:pPr/>
-              <a:t>4/17/2016</a:t>
+              <a:t>4/26/2016</a:t>
             </a:fld>
             <a:endParaRPr lang="en-US" dirty="0"/>
           </a:p>
@@ -7847,7 +7853,7 @@
             <a:fld id="{B61BEF0D-F0BB-DE4B-95CE-6DB70DBA9567}" type="datetimeFigureOut">
               <a:rPr lang="en-US" smtClean="0"/>
               <a:pPr/>
-              <a:t>4/17/2016</a:t>
+              <a:t>4/26/2016</a:t>
             </a:fld>
             <a:endParaRPr lang="en-US" dirty="0"/>
           </a:p>
@@ -8230,7 +8236,7 @@
             <a:fld id="{B61BEF0D-F0BB-DE4B-95CE-6DB70DBA9567}" type="datetimeFigureOut">
               <a:rPr lang="en-US" smtClean="0"/>
               <a:pPr/>
-              <a:t>4/17/2016</a:t>
+              <a:t>4/26/2016</a:t>
             </a:fld>
             <a:endParaRPr lang="en-US" dirty="0"/>
           </a:p>
@@ -8350,7 +8356,7 @@
             <a:fld id="{B61BEF0D-F0BB-DE4B-95CE-6DB70DBA9567}" type="datetimeFigureOut">
               <a:rPr lang="en-US" smtClean="0"/>
               <a:pPr/>
-              <a:t>4/17/2016</a:t>
+              <a:t>4/26/2016</a:t>
             </a:fld>
             <a:endParaRPr lang="en-US" dirty="0"/>
           </a:p>
@@ -8447,7 +8453,7 @@
             <a:fld id="{B61BEF0D-F0BB-DE4B-95CE-6DB70DBA9567}" type="datetimeFigureOut">
               <a:rPr lang="en-US" smtClean="0"/>
               <a:pPr/>
-              <a:t>4/17/2016</a:t>
+              <a:t>4/26/2016</a:t>
             </a:fld>
             <a:endParaRPr lang="en-US" dirty="0"/>
           </a:p>
@@ -8698,7 +8704,7 @@
             <a:fld id="{B61BEF0D-F0BB-DE4B-95CE-6DB70DBA9567}" type="datetimeFigureOut">
               <a:rPr lang="en-US" smtClean="0"/>
               <a:pPr/>
-              <a:t>4/17/2016</a:t>
+              <a:t>4/26/2016</a:t>
             </a:fld>
             <a:endParaRPr lang="en-US" dirty="0"/>
           </a:p>
@@ -8980,7 +8986,7 @@
             <a:fld id="{B61BEF0D-F0BB-DE4B-95CE-6DB70DBA9567}" type="datetimeFigureOut">
               <a:rPr lang="en-US" smtClean="0"/>
               <a:pPr/>
-              <a:t>4/17/2016</a:t>
+              <a:t>4/26/2016</a:t>
             </a:fld>
             <a:endParaRPr lang="en-US" dirty="0"/>
           </a:p>
@@ -9103,7 +9109,7 @@
           <a:noFill/>
           <a:extLst>
             <a:ext uri="{909E8E84-426E-40dd-AFC4-6F175D3DCCD1}">
-              <a14:hiddenFill xmlns:a14="http://schemas.microsoft.com/office/drawing/2010/main" xmlns="">
+              <a14:hiddenFill xmlns="" xmlns:a14="http://schemas.microsoft.com/office/drawing/2010/main">
                 <a:solidFill>
                   <a:srgbClr val="FFFFFF"/>
                 </a:solidFill>
@@ -9177,7 +9183,7 @@
               </a:ln>
               <a:extLst>
                 <a:ext uri="{91240B29-F687-4f45-9708-019B960494DF}">
-                  <a14:hiddenLine xmlns:a14="http://schemas.microsoft.com/office/drawing/2010/main" xmlns="" w="9525">
+                  <a14:hiddenLine xmlns="" xmlns:a14="http://schemas.microsoft.com/office/drawing/2010/main" w="9525">
                     <a:solidFill>
                       <a:srgbClr val="000000"/>
                     </a:solidFill>
@@ -9267,7 +9273,7 @@
               </a:ln>
               <a:extLst>
                 <a:ext uri="{91240B29-F687-4f45-9708-019B960494DF}">
-                  <a14:hiddenLine xmlns:a14="http://schemas.microsoft.com/office/drawing/2010/main" xmlns="" w="9525">
+                  <a14:hiddenLine xmlns="" xmlns:a14="http://schemas.microsoft.com/office/drawing/2010/main" w="9525">
                     <a:solidFill>
                       <a:srgbClr val="000000"/>
                     </a:solidFill>
@@ -9357,7 +9363,7 @@
               </a:ln>
               <a:extLst>
                 <a:ext uri="{91240B29-F687-4f45-9708-019B960494DF}">
-                  <a14:hiddenLine xmlns:a14="http://schemas.microsoft.com/office/drawing/2010/main" xmlns="" w="9525">
+                  <a14:hiddenLine xmlns="" xmlns:a14="http://schemas.microsoft.com/office/drawing/2010/main" w="9525">
                     <a:solidFill>
                       <a:srgbClr val="000000"/>
                     </a:solidFill>
@@ -9419,7 +9425,7 @@
               </a:ln>
               <a:extLst>
                 <a:ext uri="{91240B29-F687-4f45-9708-019B960494DF}">
-                  <a14:hiddenLine xmlns:a14="http://schemas.microsoft.com/office/drawing/2010/main" xmlns="" w="9525">
+                  <a14:hiddenLine xmlns="" xmlns:a14="http://schemas.microsoft.com/office/drawing/2010/main" w="9525">
                     <a:solidFill>
                       <a:srgbClr val="000000"/>
                     </a:solidFill>
@@ -9509,7 +9515,7 @@
               </a:ln>
               <a:extLst>
                 <a:ext uri="{91240B29-F687-4f45-9708-019B960494DF}">
-                  <a14:hiddenLine xmlns:a14="http://schemas.microsoft.com/office/drawing/2010/main" xmlns="" w="9525">
+                  <a14:hiddenLine xmlns="" xmlns:a14="http://schemas.microsoft.com/office/drawing/2010/main" w="9525">
                     <a:solidFill>
                       <a:srgbClr val="000000"/>
                     </a:solidFill>
@@ -9571,7 +9577,7 @@
               </a:ln>
               <a:extLst>
                 <a:ext uri="{91240B29-F687-4f45-9708-019B960494DF}">
-                  <a14:hiddenLine xmlns:a14="http://schemas.microsoft.com/office/drawing/2010/main" xmlns="" w="9525">
+                  <a14:hiddenLine xmlns="" xmlns:a14="http://schemas.microsoft.com/office/drawing/2010/main" w="9525">
                     <a:solidFill>
                       <a:srgbClr val="000000"/>
                     </a:solidFill>
@@ -9633,7 +9639,7 @@
               </a:ln>
               <a:extLst>
                 <a:ext uri="{91240B29-F687-4f45-9708-019B960494DF}">
-                  <a14:hiddenLine xmlns:a14="http://schemas.microsoft.com/office/drawing/2010/main" xmlns="" w="9525">
+                  <a14:hiddenLine xmlns="" xmlns:a14="http://schemas.microsoft.com/office/drawing/2010/main" w="9525">
                     <a:solidFill>
                       <a:srgbClr val="000000"/>
                     </a:solidFill>
@@ -9723,7 +9729,7 @@
               </a:ln>
               <a:extLst>
                 <a:ext uri="{91240B29-F687-4f45-9708-019B960494DF}">
-                  <a14:hiddenLine xmlns:a14="http://schemas.microsoft.com/office/drawing/2010/main" xmlns="" w="9525">
+                  <a14:hiddenLine xmlns="" xmlns:a14="http://schemas.microsoft.com/office/drawing/2010/main" w="9525">
                     <a:solidFill>
                       <a:srgbClr val="000000"/>
                     </a:solidFill>
@@ -9813,7 +9819,7 @@
               </a:ln>
               <a:extLst>
                 <a:ext uri="{91240B29-F687-4f45-9708-019B960494DF}">
-                  <a14:hiddenLine xmlns:a14="http://schemas.microsoft.com/office/drawing/2010/main" xmlns="" w="9525">
+                  <a14:hiddenLine xmlns="" xmlns:a14="http://schemas.microsoft.com/office/drawing/2010/main" w="9525">
                     <a:solidFill>
                       <a:srgbClr val="000000"/>
                     </a:solidFill>
@@ -9875,7 +9881,7 @@
               </a:ln>
               <a:extLst>
                 <a:ext uri="{91240B29-F687-4f45-9708-019B960494DF}">
-                  <a14:hiddenLine xmlns:a14="http://schemas.microsoft.com/office/drawing/2010/main" xmlns="" w="9525">
+                  <a14:hiddenLine xmlns="" xmlns:a14="http://schemas.microsoft.com/office/drawing/2010/main" w="9525">
                     <a:solidFill>
                       <a:srgbClr val="000000"/>
                     </a:solidFill>
@@ -9985,7 +9991,7 @@
               </a:ln>
               <a:extLst>
                 <a:ext uri="{91240B29-F687-4f45-9708-019B960494DF}">
-                  <a14:hiddenLine xmlns:a14="http://schemas.microsoft.com/office/drawing/2010/main" xmlns="" w="9525">
+                  <a14:hiddenLine xmlns="" xmlns:a14="http://schemas.microsoft.com/office/drawing/2010/main" w="9525">
                     <a:solidFill>
                       <a:srgbClr val="000000"/>
                     </a:solidFill>
@@ -10069,7 +10075,7 @@
               </a:ln>
               <a:extLst>
                 <a:ext uri="{91240B29-F687-4f45-9708-019B960494DF}">
-                  <a14:hiddenLine xmlns:a14="http://schemas.microsoft.com/office/drawing/2010/main" xmlns="" w="9525">
+                  <a14:hiddenLine xmlns="" xmlns:a14="http://schemas.microsoft.com/office/drawing/2010/main" w="9525">
                     <a:solidFill>
                       <a:srgbClr val="000000"/>
                     </a:solidFill>
@@ -10131,7 +10137,7 @@
               </a:ln>
               <a:extLst>
                 <a:ext uri="{91240B29-F687-4f45-9708-019B960494DF}">
-                  <a14:hiddenLine xmlns:a14="http://schemas.microsoft.com/office/drawing/2010/main" xmlns="" w="9525">
+                  <a14:hiddenLine xmlns="" xmlns:a14="http://schemas.microsoft.com/office/drawing/2010/main" w="9525">
                     <a:solidFill>
                       <a:srgbClr val="000000"/>
                     </a:solidFill>
@@ -10193,7 +10199,7 @@
               </a:ln>
               <a:extLst>
                 <a:ext uri="{91240B29-F687-4f45-9708-019B960494DF}">
-                  <a14:hiddenLine xmlns:a14="http://schemas.microsoft.com/office/drawing/2010/main" xmlns="" w="9525">
+                  <a14:hiddenLine xmlns="" xmlns:a14="http://schemas.microsoft.com/office/drawing/2010/main" w="9525">
                     <a:solidFill>
                       <a:srgbClr val="000000"/>
                     </a:solidFill>
@@ -10283,7 +10289,7 @@
               </a:ln>
               <a:extLst>
                 <a:ext uri="{91240B29-F687-4f45-9708-019B960494DF}">
-                  <a14:hiddenLine xmlns:a14="http://schemas.microsoft.com/office/drawing/2010/main" xmlns="" w="9525">
+                  <a14:hiddenLine xmlns="" xmlns:a14="http://schemas.microsoft.com/office/drawing/2010/main" w="9525">
                     <a:solidFill>
                       <a:srgbClr val="000000"/>
                     </a:solidFill>
@@ -10317,7 +10323,7 @@
               </a:ln>
               <a:extLst>
                 <a:ext uri="{91240B29-F687-4f45-9708-019B960494DF}">
-                  <a14:hiddenLine xmlns:a14="http://schemas.microsoft.com/office/drawing/2010/main" xmlns="" w="9525">
+                  <a14:hiddenLine xmlns="" xmlns:a14="http://schemas.microsoft.com/office/drawing/2010/main" w="9525">
                     <a:solidFill>
                       <a:srgbClr val="000000"/>
                     </a:solidFill>
@@ -10382,7 +10388,7 @@
               </a:ln>
               <a:extLst>
                 <a:ext uri="{91240B29-F687-4f45-9708-019B960494DF}">
-                  <a14:hiddenLine xmlns:a14="http://schemas.microsoft.com/office/drawing/2010/main" xmlns="" w="9525">
+                  <a14:hiddenLine xmlns="" xmlns:a14="http://schemas.microsoft.com/office/drawing/2010/main" w="9525">
                     <a:solidFill>
                       <a:srgbClr val="000000"/>
                     </a:solidFill>
@@ -10472,7 +10478,7 @@
               </a:ln>
               <a:extLst>
                 <a:ext uri="{91240B29-F687-4f45-9708-019B960494DF}">
-                  <a14:hiddenLine xmlns:a14="http://schemas.microsoft.com/office/drawing/2010/main" xmlns="" w="9525">
+                  <a14:hiddenLine xmlns="" xmlns:a14="http://schemas.microsoft.com/office/drawing/2010/main" w="9525">
                     <a:solidFill>
                       <a:srgbClr val="000000"/>
                     </a:solidFill>
@@ -10534,7 +10540,7 @@
               </a:ln>
               <a:extLst>
                 <a:ext uri="{91240B29-F687-4f45-9708-019B960494DF}">
-                  <a14:hiddenLine xmlns:a14="http://schemas.microsoft.com/office/drawing/2010/main" xmlns="" w="9525">
+                  <a14:hiddenLine xmlns="" xmlns:a14="http://schemas.microsoft.com/office/drawing/2010/main" w="9525">
                     <a:solidFill>
                       <a:srgbClr val="000000"/>
                     </a:solidFill>
@@ -10624,7 +10630,7 @@
               </a:ln>
               <a:extLst>
                 <a:ext uri="{91240B29-F687-4f45-9708-019B960494DF}">
-                  <a14:hiddenLine xmlns:a14="http://schemas.microsoft.com/office/drawing/2010/main" xmlns="" w="9525">
+                  <a14:hiddenLine xmlns="" xmlns:a14="http://schemas.microsoft.com/office/drawing/2010/main" w="9525">
                     <a:solidFill>
                       <a:srgbClr val="000000"/>
                     </a:solidFill>
@@ -10689,7 +10695,7 @@
               </a:ln>
               <a:extLst>
                 <a:ext uri="{91240B29-F687-4f45-9708-019B960494DF}">
-                  <a14:hiddenLine xmlns:a14="http://schemas.microsoft.com/office/drawing/2010/main" xmlns="" w="9525">
+                  <a14:hiddenLine xmlns="" xmlns:a14="http://schemas.microsoft.com/office/drawing/2010/main" w="9525">
                     <a:solidFill>
                       <a:srgbClr val="000000"/>
                     </a:solidFill>
@@ -10751,7 +10757,7 @@
               </a:ln>
               <a:extLst>
                 <a:ext uri="{91240B29-F687-4f45-9708-019B960494DF}">
-                  <a14:hiddenLine xmlns:a14="http://schemas.microsoft.com/office/drawing/2010/main" xmlns="" w="9525">
+                  <a14:hiddenLine xmlns="" xmlns:a14="http://schemas.microsoft.com/office/drawing/2010/main" w="9525">
                     <a:solidFill>
                       <a:srgbClr val="000000"/>
                     </a:solidFill>
@@ -10841,7 +10847,7 @@
               </a:ln>
               <a:extLst>
                 <a:ext uri="{91240B29-F687-4f45-9708-019B960494DF}">
-                  <a14:hiddenLine xmlns:a14="http://schemas.microsoft.com/office/drawing/2010/main" xmlns="" w="9525">
+                  <a14:hiddenLine xmlns="" xmlns:a14="http://schemas.microsoft.com/office/drawing/2010/main" w="9525">
                     <a:solidFill>
                       <a:srgbClr val="000000"/>
                     </a:solidFill>
@@ -10931,7 +10937,7 @@
               </a:ln>
               <a:extLst>
                 <a:ext uri="{91240B29-F687-4f45-9708-019B960494DF}">
-                  <a14:hiddenLine xmlns:a14="http://schemas.microsoft.com/office/drawing/2010/main" xmlns="" w="9525">
+                  <a14:hiddenLine xmlns="" xmlns:a14="http://schemas.microsoft.com/office/drawing/2010/main" w="9525">
                     <a:solidFill>
                       <a:srgbClr val="000000"/>
                     </a:solidFill>
@@ -10996,7 +11002,7 @@
               </a:ln>
               <a:extLst>
                 <a:ext uri="{91240B29-F687-4f45-9708-019B960494DF}">
-                  <a14:hiddenLine xmlns:a14="http://schemas.microsoft.com/office/drawing/2010/main" xmlns="" w="9525">
+                  <a14:hiddenLine xmlns="" xmlns:a14="http://schemas.microsoft.com/office/drawing/2010/main" w="9525">
                     <a:solidFill>
                       <a:srgbClr val="000000"/>
                     </a:solidFill>
@@ -11116,7 +11122,7 @@
               </a:ln>
               <a:extLst>
                 <a:ext uri="{91240B29-F687-4f45-9708-019B960494DF}">
-                  <a14:hiddenLine xmlns:a14="http://schemas.microsoft.com/office/drawing/2010/main" xmlns="" w="9525">
+                  <a14:hiddenLine xmlns="" xmlns:a14="http://schemas.microsoft.com/office/drawing/2010/main" w="9525">
                     <a:solidFill>
                       <a:srgbClr val="000000"/>
                     </a:solidFill>
@@ -11214,7 +11220,7 @@
               </a:ln>
               <a:extLst>
                 <a:ext uri="{91240B29-F687-4f45-9708-019B960494DF}">
-                  <a14:hiddenLine xmlns:a14="http://schemas.microsoft.com/office/drawing/2010/main" xmlns="" w="9525">
+                  <a14:hiddenLine xmlns="" xmlns:a14="http://schemas.microsoft.com/office/drawing/2010/main" w="9525">
                     <a:solidFill>
                       <a:srgbClr val="000000"/>
                     </a:solidFill>
@@ -11329,7 +11335,7 @@
               </a:ln>
               <a:extLst>
                 <a:ext uri="{91240B29-F687-4f45-9708-019B960494DF}">
-                  <a14:hiddenLine xmlns:a14="http://schemas.microsoft.com/office/drawing/2010/main" xmlns="" w="9525">
+                  <a14:hiddenLine xmlns="" xmlns:a14="http://schemas.microsoft.com/office/drawing/2010/main" w="9525">
                     <a:solidFill>
                       <a:srgbClr val="000000"/>
                     </a:solidFill>
@@ -11419,7 +11425,7 @@
               </a:ln>
               <a:extLst>
                 <a:ext uri="{91240B29-F687-4f45-9708-019B960494DF}">
-                  <a14:hiddenLine xmlns:a14="http://schemas.microsoft.com/office/drawing/2010/main" xmlns="" w="9525">
+                  <a14:hiddenLine xmlns="" xmlns:a14="http://schemas.microsoft.com/office/drawing/2010/main" w="9525">
                     <a:solidFill>
                       <a:srgbClr val="000000"/>
                     </a:solidFill>
@@ -11484,7 +11490,7 @@
               </a:ln>
               <a:extLst>
                 <a:ext uri="{91240B29-F687-4f45-9708-019B960494DF}">
-                  <a14:hiddenLine xmlns:a14="http://schemas.microsoft.com/office/drawing/2010/main" xmlns="" w="9525">
+                  <a14:hiddenLine xmlns="" xmlns:a14="http://schemas.microsoft.com/office/drawing/2010/main" w="9525">
                     <a:solidFill>
                       <a:srgbClr val="000000"/>
                     </a:solidFill>
@@ -11574,7 +11580,7 @@
               </a:ln>
               <a:extLst>
                 <a:ext uri="{91240B29-F687-4f45-9708-019B960494DF}">
-                  <a14:hiddenLine xmlns:a14="http://schemas.microsoft.com/office/drawing/2010/main" xmlns="" w="9525">
+                  <a14:hiddenLine xmlns="" xmlns:a14="http://schemas.microsoft.com/office/drawing/2010/main" w="9525">
                     <a:solidFill>
                       <a:srgbClr val="000000"/>
                     </a:solidFill>
@@ -11642,7 +11648,7 @@
               </a:ln>
               <a:extLst>
                 <a:ext uri="{91240B29-F687-4f45-9708-019B960494DF}">
-                  <a14:hiddenLine xmlns:a14="http://schemas.microsoft.com/office/drawing/2010/main" xmlns="" w="9525">
+                  <a14:hiddenLine xmlns="" xmlns:a14="http://schemas.microsoft.com/office/drawing/2010/main" w="9525">
                     <a:solidFill>
                       <a:srgbClr val="000000"/>
                     </a:solidFill>
@@ -11732,7 +11738,7 @@
               </a:ln>
               <a:extLst>
                 <a:ext uri="{91240B29-F687-4f45-9708-019B960494DF}">
-                  <a14:hiddenLine xmlns:a14="http://schemas.microsoft.com/office/drawing/2010/main" xmlns="" w="9525">
+                  <a14:hiddenLine xmlns="" xmlns:a14="http://schemas.microsoft.com/office/drawing/2010/main" w="9525">
                     <a:solidFill>
                       <a:srgbClr val="000000"/>
                     </a:solidFill>
@@ -11800,7 +11806,7 @@
               </a:ln>
               <a:extLst>
                 <a:ext uri="{91240B29-F687-4f45-9708-019B960494DF}">
-                  <a14:hiddenLine xmlns:a14="http://schemas.microsoft.com/office/drawing/2010/main" xmlns="" w="9525">
+                  <a14:hiddenLine xmlns="" xmlns:a14="http://schemas.microsoft.com/office/drawing/2010/main" w="9525">
                     <a:solidFill>
                       <a:srgbClr val="000000"/>
                     </a:solidFill>
@@ -11890,7 +11896,7 @@
               </a:ln>
               <a:extLst>
                 <a:ext uri="{91240B29-F687-4f45-9708-019B960494DF}">
-                  <a14:hiddenLine xmlns:a14="http://schemas.microsoft.com/office/drawing/2010/main" xmlns="" w="9525">
+                  <a14:hiddenLine xmlns="" xmlns:a14="http://schemas.microsoft.com/office/drawing/2010/main" w="9525">
                     <a:solidFill>
                       <a:srgbClr val="000000"/>
                     </a:solidFill>
@@ -11924,7 +11930,7 @@
               </a:ln>
               <a:extLst>
                 <a:ext uri="{91240B29-F687-4f45-9708-019B960494DF}">
-                  <a14:hiddenLine xmlns:a14="http://schemas.microsoft.com/office/drawing/2010/main" xmlns="" w="9525">
+                  <a14:hiddenLine xmlns="" xmlns:a14="http://schemas.microsoft.com/office/drawing/2010/main" w="9525">
                     <a:solidFill>
                       <a:srgbClr val="000000"/>
                     </a:solidFill>
@@ -12065,7 +12071,7 @@
             <a:fld id="{B61BEF0D-F0BB-DE4B-95CE-6DB70DBA9567}" type="datetimeFigureOut">
               <a:rPr lang="en-US" smtClean="0"/>
               <a:pPr/>
-              <a:t>4/17/2016</a:t>
+              <a:t>4/26/2016</a:t>
             </a:fld>
             <a:endParaRPr lang="en-US" dirty="0"/>
           </a:p>
@@ -12584,6 +12590,322 @@
       </p:grpSpPr>
       <p:sp>
         <p:nvSpPr>
+          <p:cNvPr id="4" name="Título 3"/>
+          <p:cNvSpPr>
+            <a:spLocks noGrp="1"/>
+          </p:cNvSpPr>
+          <p:nvPr>
+            <p:ph type="title"/>
+          </p:nvPr>
+        </p:nvSpPr>
+        <p:spPr/>
+        <p:txBody>
+          <a:bodyPr/>
+          <a:lstStyle/>
+          <a:p>
+            <a:r>
+              <a:rPr lang="es-ES" dirty="0" smtClean="0"/>
+              <a:t>DISEÑO de prototipos</a:t>
+            </a:r>
+            <a:endParaRPr lang="es-ES" dirty="0"/>
+          </a:p>
+        </p:txBody>
+      </p:sp>
+      <p:sp>
+        <p:nvSpPr>
+          <p:cNvPr id="5" name="Marcador de texto 4"/>
+          <p:cNvSpPr>
+            <a:spLocks noGrp="1"/>
+          </p:cNvSpPr>
+          <p:nvPr>
+            <p:ph type="body" idx="1"/>
+          </p:nvPr>
+        </p:nvSpPr>
+        <p:spPr>
+          <a:xfrm>
+            <a:off x="1328029" y="1844037"/>
+            <a:ext cx="3196899" cy="685800"/>
+          </a:xfrm>
+        </p:spPr>
+        <p:txBody>
+          <a:bodyPr/>
+          <a:lstStyle/>
+          <a:p>
+            <a:r>
+              <a:rPr lang="es-ES" sz="2000" dirty="0" smtClean="0"/>
+              <a:t>Primer prototipo</a:t>
+            </a:r>
+            <a:endParaRPr lang="es-ES" sz="2000" dirty="0"/>
+          </a:p>
+        </p:txBody>
+      </p:sp>
+      <p:sp>
+        <p:nvSpPr>
+          <p:cNvPr id="6" name="Marcador de texto 5"/>
+          <p:cNvSpPr>
+            <a:spLocks noGrp="1"/>
+          </p:cNvSpPr>
+          <p:nvPr>
+            <p:ph type="body" sz="quarter" idx="3"/>
+          </p:nvPr>
+        </p:nvSpPr>
+        <p:spPr>
+          <a:xfrm>
+            <a:off x="4514766" y="1847209"/>
+            <a:ext cx="3184385" cy="685800"/>
+          </a:xfrm>
+        </p:spPr>
+        <p:txBody>
+          <a:bodyPr/>
+          <a:lstStyle/>
+          <a:p>
+            <a:r>
+              <a:rPr lang="es-ES" sz="2000" dirty="0" smtClean="0"/>
+              <a:t>Segundo prototipo</a:t>
+            </a:r>
+            <a:endParaRPr lang="es-ES" sz="2000" dirty="0"/>
+          </a:p>
+        </p:txBody>
+      </p:sp>
+      <p:sp>
+        <p:nvSpPr>
+          <p:cNvPr id="7" name="Marcador de texto 6"/>
+          <p:cNvSpPr>
+            <a:spLocks noGrp="1"/>
+          </p:cNvSpPr>
+          <p:nvPr>
+            <p:ph type="body" sz="quarter" idx="13"/>
+          </p:nvPr>
+        </p:nvSpPr>
+        <p:spPr>
+          <a:xfrm>
+            <a:off x="7852442" y="1844037"/>
+            <a:ext cx="3194968" cy="685800"/>
+          </a:xfrm>
+        </p:spPr>
+        <p:txBody>
+          <a:bodyPr/>
+          <a:lstStyle/>
+          <a:p>
+            <a:r>
+              <a:rPr lang="es-ES" sz="2000" dirty="0" smtClean="0"/>
+              <a:t>Tercer prototipo</a:t>
+            </a:r>
+            <a:endParaRPr lang="es-ES" sz="2000" dirty="0"/>
+          </a:p>
+        </p:txBody>
+      </p:sp>
+      <p:pic>
+        <p:nvPicPr>
+          <p:cNvPr id="12" name="Imagen 11"/>
+          <p:cNvPicPr/>
+          <p:nvPr/>
+        </p:nvPicPr>
+        <p:blipFill>
+          <a:blip r:embed="rId2">
+            <a:extLst>
+              <a:ext uri="{28A0092B-C50C-407E-A947-70E740481C1C}">
+                <a14:useLocalDpi xmlns:a14="http://schemas.microsoft.com/office/drawing/2010/main" val="0"/>
+              </a:ext>
+            </a:extLst>
+          </a:blip>
+          <a:srcRect/>
+          <a:stretch>
+            <a:fillRect/>
+          </a:stretch>
+        </p:blipFill>
+        <p:spPr bwMode="auto">
+          <a:xfrm>
+            <a:off x="1235962" y="2529836"/>
+            <a:ext cx="2356324" cy="3299105"/>
+          </a:xfrm>
+          <a:prstGeom prst="rect">
+            <a:avLst/>
+          </a:prstGeom>
+          <a:noFill/>
+          <a:ln>
+            <a:noFill/>
+          </a:ln>
+        </p:spPr>
+      </p:pic>
+      <p:pic>
+        <p:nvPicPr>
+          <p:cNvPr id="13" name="Imagen 12"/>
+          <p:cNvPicPr/>
+          <p:nvPr/>
+        </p:nvPicPr>
+        <p:blipFill>
+          <a:blip r:embed="rId3">
+            <a:extLst>
+              <a:ext uri="{28A0092B-C50C-407E-A947-70E740481C1C}">
+                <a14:useLocalDpi xmlns:a14="http://schemas.microsoft.com/office/drawing/2010/main" val="0"/>
+              </a:ext>
+            </a:extLst>
+          </a:blip>
+          <a:srcRect/>
+          <a:stretch>
+            <a:fillRect/>
+          </a:stretch>
+        </p:blipFill>
+        <p:spPr bwMode="auto">
+          <a:xfrm>
+            <a:off x="4720037" y="2514600"/>
+            <a:ext cx="2178026" cy="3314341"/>
+          </a:xfrm>
+          <a:prstGeom prst="rect">
+            <a:avLst/>
+          </a:prstGeom>
+          <a:noFill/>
+          <a:ln>
+            <a:noFill/>
+          </a:ln>
+        </p:spPr>
+      </p:pic>
+      <p:pic>
+        <p:nvPicPr>
+          <p:cNvPr id="14" name="Imagen 13"/>
+          <p:cNvPicPr/>
+          <p:nvPr/>
+        </p:nvPicPr>
+        <p:blipFill>
+          <a:blip r:embed="rId4">
+            <a:extLst>
+              <a:ext uri="{28A0092B-C50C-407E-A947-70E740481C1C}">
+                <a14:useLocalDpi xmlns:a14="http://schemas.microsoft.com/office/drawing/2010/main" val="0"/>
+              </a:ext>
+            </a:extLst>
+          </a:blip>
+          <a:srcRect/>
+          <a:stretch>
+            <a:fillRect/>
+          </a:stretch>
+        </p:blipFill>
+        <p:spPr bwMode="auto">
+          <a:xfrm>
+            <a:off x="7899096" y="2514600"/>
+            <a:ext cx="2196628" cy="3313146"/>
+          </a:xfrm>
+          <a:prstGeom prst="rect">
+            <a:avLst/>
+          </a:prstGeom>
+          <a:noFill/>
+          <a:ln>
+            <a:noFill/>
+          </a:ln>
+        </p:spPr>
+      </p:pic>
+      <p:sp>
+        <p:nvSpPr>
+          <p:cNvPr id="15" name="Flecha derecha 14"/>
+          <p:cNvSpPr/>
+          <p:nvPr/>
+        </p:nvSpPr>
+        <p:spPr>
+          <a:xfrm>
+            <a:off x="3984174" y="4002833"/>
+            <a:ext cx="391885" cy="326571"/>
+          </a:xfrm>
+          <a:prstGeom prst="rightArrow">
+            <a:avLst/>
+          </a:prstGeom>
+        </p:spPr>
+        <p:style>
+          <a:lnRef idx="2">
+            <a:schemeClr val="accent1">
+              <a:shade val="50000"/>
+            </a:schemeClr>
+          </a:lnRef>
+          <a:fillRef idx="1">
+            <a:schemeClr val="accent1"/>
+          </a:fillRef>
+          <a:effectRef idx="0">
+            <a:schemeClr val="accent1"/>
+          </a:effectRef>
+          <a:fontRef idx="minor">
+            <a:schemeClr val="lt1"/>
+          </a:fontRef>
+        </p:style>
+        <p:txBody>
+          <a:bodyPr rtlCol="0" anchor="ctr"/>
+          <a:lstStyle/>
+          <a:p>
+            <a:pPr algn="ctr"/>
+            <a:endParaRPr lang="es-ES"/>
+          </a:p>
+        </p:txBody>
+      </p:sp>
+      <p:sp>
+        <p:nvSpPr>
+          <p:cNvPr id="16" name="Flecha derecha 15"/>
+          <p:cNvSpPr/>
+          <p:nvPr/>
+        </p:nvSpPr>
+        <p:spPr>
+          <a:xfrm>
+            <a:off x="7242772" y="4002833"/>
+            <a:ext cx="391885" cy="326571"/>
+          </a:xfrm>
+          <a:prstGeom prst="rightArrow">
+            <a:avLst/>
+          </a:prstGeom>
+        </p:spPr>
+        <p:style>
+          <a:lnRef idx="2">
+            <a:schemeClr val="accent1">
+              <a:shade val="50000"/>
+            </a:schemeClr>
+          </a:lnRef>
+          <a:fillRef idx="1">
+            <a:schemeClr val="accent1"/>
+          </a:fillRef>
+          <a:effectRef idx="0">
+            <a:schemeClr val="accent1"/>
+          </a:effectRef>
+          <a:fontRef idx="minor">
+            <a:schemeClr val="lt1"/>
+          </a:fontRef>
+        </p:style>
+        <p:txBody>
+          <a:bodyPr rtlCol="0" anchor="ctr"/>
+          <a:lstStyle/>
+          <a:p>
+            <a:pPr algn="ctr"/>
+            <a:endParaRPr lang="es-ES"/>
+          </a:p>
+        </p:txBody>
+      </p:sp>
+    </p:spTree>
+    <p:extLst>
+      <p:ext uri="{BB962C8B-B14F-4D97-AF65-F5344CB8AC3E}">
+        <p14:creationId xmlns:p14="http://schemas.microsoft.com/office/powerpoint/2010/main" val="1704382826"/>
+      </p:ext>
+    </p:extLst>
+  </p:cSld>
+  <p:clrMapOvr>
+    <a:masterClrMapping/>
+  </p:clrMapOvr>
+</p:sld>
+</file>
+
+<file path=ppt/slides/slide11.xml><?xml version="1.0" encoding="utf-8"?>
+<p:sld xmlns:a="http://schemas.openxmlformats.org/drawingml/2006/main" xmlns:r="http://schemas.openxmlformats.org/officeDocument/2006/relationships" xmlns:p="http://schemas.openxmlformats.org/presentationml/2006/main">
+  <p:cSld>
+    <p:spTree>
+      <p:nvGrpSpPr>
+        <p:cNvPr id="1" name=""/>
+        <p:cNvGrpSpPr/>
+        <p:nvPr/>
+      </p:nvGrpSpPr>
+      <p:grpSpPr>
+        <a:xfrm>
+          <a:off x="0" y="0"/>
+          <a:ext cx="0" cy="0"/>
+          <a:chOff x="0" y="0"/>
+          <a:chExt cx="0" cy="0"/>
+        </a:xfrm>
+      </p:grpSpPr>
+      <p:sp>
+        <p:nvSpPr>
           <p:cNvPr id="9" name="Título 8"/>
           <p:cNvSpPr>
             <a:spLocks noGrp="1"/>
@@ -12682,7 +13004,7 @@
 </p:sld>
 </file>
 
-<file path=ppt/slides/slide11.xml><?xml version="1.0" encoding="utf-8"?>
+<file path=ppt/slides/slide12.xml><?xml version="1.0" encoding="utf-8"?>
 <p:sld xmlns:a="http://schemas.openxmlformats.org/drawingml/2006/main" xmlns:r="http://schemas.openxmlformats.org/officeDocument/2006/relationships" xmlns:p="http://schemas.openxmlformats.org/presentationml/2006/main">
   <p:cSld>
     <p:spTree>
@@ -12841,114 +13163,6 @@
 </p:sld>
 </file>
 
-<file path=ppt/slides/slide12.xml><?xml version="1.0" encoding="utf-8"?>
-<p:sld xmlns:a="http://schemas.openxmlformats.org/drawingml/2006/main" xmlns:r="http://schemas.openxmlformats.org/officeDocument/2006/relationships" xmlns:p="http://schemas.openxmlformats.org/presentationml/2006/main">
-  <p:cSld>
-    <p:spTree>
-      <p:nvGrpSpPr>
-        <p:cNvPr id="1" name=""/>
-        <p:cNvGrpSpPr/>
-        <p:nvPr/>
-      </p:nvGrpSpPr>
-      <p:grpSpPr>
-        <a:xfrm>
-          <a:off x="0" y="0"/>
-          <a:ext cx="0" cy="0"/>
-          <a:chOff x="0" y="0"/>
-          <a:chExt cx="0" cy="0"/>
-        </a:xfrm>
-      </p:grpSpPr>
-      <p:sp>
-        <p:nvSpPr>
-          <p:cNvPr id="2" name="Título 1"/>
-          <p:cNvSpPr>
-            <a:spLocks noGrp="1"/>
-          </p:cNvSpPr>
-          <p:nvPr>
-            <p:ph type="title"/>
-          </p:nvPr>
-        </p:nvSpPr>
-        <p:spPr/>
-        <p:txBody>
-          <a:bodyPr/>
-          <a:lstStyle/>
-          <a:p>
-            <a:r>
-              <a:rPr lang="es-ES" dirty="0" smtClean="0"/>
-              <a:t>PRUEBAS DEL SOFTWARE</a:t>
-            </a:r>
-            <a:endParaRPr lang="es-ES" dirty="0"/>
-          </a:p>
-        </p:txBody>
-      </p:sp>
-      <p:sp>
-        <p:nvSpPr>
-          <p:cNvPr id="3" name="Marcador de contenido 2"/>
-          <p:cNvSpPr>
-            <a:spLocks noGrp="1"/>
-          </p:cNvSpPr>
-          <p:nvPr>
-            <p:ph idx="1"/>
-          </p:nvPr>
-        </p:nvSpPr>
-        <p:spPr/>
-        <p:txBody>
-          <a:bodyPr/>
-          <a:lstStyle/>
-          <a:p>
-            <a:r>
-              <a:rPr lang="es-ES" dirty="0" smtClean="0"/>
-              <a:t>Objetivo: encontrar errores en el software</a:t>
-            </a:r>
-          </a:p>
-          <a:p>
-            <a:r>
-              <a:rPr lang="es-ES" b="1" dirty="0" smtClean="0"/>
-              <a:t>Técnica de caja negra</a:t>
-            </a:r>
-          </a:p>
-          <a:p>
-            <a:pPr lvl="1"/>
-            <a:r>
-              <a:rPr lang="es-ES" dirty="0" smtClean="0"/>
-              <a:t>Se centra en los requisitos funcionales del software</a:t>
-            </a:r>
-          </a:p>
-          <a:p>
-            <a:pPr lvl="1"/>
-            <a:r>
-              <a:rPr lang="es-ES" dirty="0" smtClean="0"/>
-              <a:t>Condiciones de entrada que cumplan dichos requisitos</a:t>
-            </a:r>
-          </a:p>
-          <a:p>
-            <a:r>
-              <a:rPr lang="es-ES" dirty="0" smtClean="0"/>
-              <a:t>Técnica concreta: </a:t>
-            </a:r>
-            <a:r>
-              <a:rPr lang="es-ES" b="1" dirty="0" smtClean="0"/>
-              <a:t>Partición en clases de equivalencia</a:t>
-            </a:r>
-          </a:p>
-          <a:p>
-            <a:endParaRPr lang="es-ES" b="1" dirty="0" smtClean="0"/>
-          </a:p>
-        </p:txBody>
-      </p:sp>
-    </p:spTree>
-    <p:extLst>
-      <p:ext uri="{BB962C8B-B14F-4D97-AF65-F5344CB8AC3E}">
-        <p14:creationId xmlns:p14="http://schemas.microsoft.com/office/powerpoint/2010/main" val="3237106513"/>
-      </p:ext>
-    </p:extLst>
-  </p:cSld>
-  <p:clrMapOvr>
-    <a:masterClrMapping/>
-  </p:clrMapOvr>
-</p:sld>
-</file>
-
 <file path=ppt/slides/slide13.xml><?xml version="1.0" encoding="utf-8"?>
 <p:sld xmlns:a="http://schemas.openxmlformats.org/drawingml/2006/main" xmlns:r="http://schemas.openxmlformats.org/officeDocument/2006/relationships" xmlns:p="http://schemas.openxmlformats.org/presentationml/2006/main">
   <p:cSld>
@@ -12983,6 +13197,114 @@
           <a:p>
             <a:r>
               <a:rPr lang="es-ES" dirty="0" smtClean="0"/>
+              <a:t>PRUEBAS DEL SOFTWARE</a:t>
+            </a:r>
+            <a:endParaRPr lang="es-ES" dirty="0"/>
+          </a:p>
+        </p:txBody>
+      </p:sp>
+      <p:sp>
+        <p:nvSpPr>
+          <p:cNvPr id="3" name="Marcador de contenido 2"/>
+          <p:cNvSpPr>
+            <a:spLocks noGrp="1"/>
+          </p:cNvSpPr>
+          <p:nvPr>
+            <p:ph idx="1"/>
+          </p:nvPr>
+        </p:nvSpPr>
+        <p:spPr/>
+        <p:txBody>
+          <a:bodyPr/>
+          <a:lstStyle/>
+          <a:p>
+            <a:r>
+              <a:rPr lang="es-ES" dirty="0" smtClean="0"/>
+              <a:t>Objetivo: encontrar errores en el software</a:t>
+            </a:r>
+          </a:p>
+          <a:p>
+            <a:r>
+              <a:rPr lang="es-ES" b="1" dirty="0" smtClean="0"/>
+              <a:t>Técnica de caja negra</a:t>
+            </a:r>
+          </a:p>
+          <a:p>
+            <a:pPr lvl="1"/>
+            <a:r>
+              <a:rPr lang="es-ES" dirty="0" smtClean="0"/>
+              <a:t>Se centra en los requisitos funcionales del software</a:t>
+            </a:r>
+          </a:p>
+          <a:p>
+            <a:pPr lvl="1"/>
+            <a:r>
+              <a:rPr lang="es-ES" dirty="0" smtClean="0"/>
+              <a:t>Condiciones de entrada que cumplan dichos requisitos</a:t>
+            </a:r>
+          </a:p>
+          <a:p>
+            <a:r>
+              <a:rPr lang="es-ES" dirty="0" smtClean="0"/>
+              <a:t>Técnica concreta: </a:t>
+            </a:r>
+            <a:r>
+              <a:rPr lang="es-ES" b="1" dirty="0" smtClean="0"/>
+              <a:t>Partición en clases de equivalencia</a:t>
+            </a:r>
+          </a:p>
+          <a:p>
+            <a:endParaRPr lang="es-ES" b="1" dirty="0" smtClean="0"/>
+          </a:p>
+        </p:txBody>
+      </p:sp>
+    </p:spTree>
+    <p:extLst>
+      <p:ext uri="{BB962C8B-B14F-4D97-AF65-F5344CB8AC3E}">
+        <p14:creationId xmlns:p14="http://schemas.microsoft.com/office/powerpoint/2010/main" val="3237106513"/>
+      </p:ext>
+    </p:extLst>
+  </p:cSld>
+  <p:clrMapOvr>
+    <a:masterClrMapping/>
+  </p:clrMapOvr>
+</p:sld>
+</file>
+
+<file path=ppt/slides/slide14.xml><?xml version="1.0" encoding="utf-8"?>
+<p:sld xmlns:a="http://schemas.openxmlformats.org/drawingml/2006/main" xmlns:r="http://schemas.openxmlformats.org/officeDocument/2006/relationships" xmlns:p="http://schemas.openxmlformats.org/presentationml/2006/main">
+  <p:cSld>
+    <p:spTree>
+      <p:nvGrpSpPr>
+        <p:cNvPr id="1" name=""/>
+        <p:cNvGrpSpPr/>
+        <p:nvPr/>
+      </p:nvGrpSpPr>
+      <p:grpSpPr>
+        <a:xfrm>
+          <a:off x="0" y="0"/>
+          <a:ext cx="0" cy="0"/>
+          <a:chOff x="0" y="0"/>
+          <a:chExt cx="0" cy="0"/>
+        </a:xfrm>
+      </p:grpSpPr>
+      <p:sp>
+        <p:nvSpPr>
+          <p:cNvPr id="2" name="Título 1"/>
+          <p:cNvSpPr>
+            <a:spLocks noGrp="1"/>
+          </p:cNvSpPr>
+          <p:nvPr>
+            <p:ph type="title"/>
+          </p:nvPr>
+        </p:nvSpPr>
+        <p:spPr/>
+        <p:txBody>
+          <a:bodyPr/>
+          <a:lstStyle/>
+          <a:p>
+            <a:r>
+              <a:rPr lang="es-ES" dirty="0" smtClean="0"/>
               <a:t>Casos de prueba</a:t>
             </a:r>
             <a:endParaRPr lang="es-ES" dirty="0"/>
@@ -13069,7 +13391,7 @@
 </p:sld>
 </file>
 
-<file path=ppt/slides/slide14.xml><?xml version="1.0" encoding="utf-8"?>
+<file path=ppt/slides/slide15.xml><?xml version="1.0" encoding="utf-8"?>
 <p:sld xmlns:a="http://schemas.openxmlformats.org/drawingml/2006/main" xmlns:r="http://schemas.openxmlformats.org/officeDocument/2006/relationships" xmlns:p="http://schemas.openxmlformats.org/presentationml/2006/main">
   <p:cSld>
     <p:spTree>
@@ -15243,6 +15565,222 @@
           <a:p>
             <a:r>
               <a:rPr lang="es-ES" dirty="0" smtClean="0"/>
+              <a:t>IMPLEMENTACIÓN</a:t>
+            </a:r>
+            <a:endParaRPr lang="es-ES" dirty="0"/>
+          </a:p>
+        </p:txBody>
+      </p:sp>
+      <p:pic>
+        <p:nvPicPr>
+          <p:cNvPr id="4" name="Marcador de contenido 3"/>
+          <p:cNvPicPr>
+            <a:picLocks noGrp="1"/>
+          </p:cNvPicPr>
+          <p:nvPr>
+            <p:ph idx="1"/>
+          </p:nvPr>
+        </p:nvPicPr>
+        <p:blipFill>
+          <a:blip r:embed="rId2"/>
+          <a:stretch>
+            <a:fillRect/>
+          </a:stretch>
+        </p:blipFill>
+        <p:spPr>
+          <a:xfrm>
+            <a:off x="1259537" y="1692635"/>
+            <a:ext cx="3657696" cy="4783141"/>
+          </a:xfrm>
+          <a:prstGeom prst="rect">
+            <a:avLst/>
+          </a:prstGeom>
+        </p:spPr>
+      </p:pic>
+      <p:pic>
+        <p:nvPicPr>
+          <p:cNvPr id="5" name="Imagen 4"/>
+          <p:cNvPicPr/>
+          <p:nvPr/>
+        </p:nvPicPr>
+        <p:blipFill>
+          <a:blip r:embed="rId3"/>
+          <a:stretch>
+            <a:fillRect/>
+          </a:stretch>
+        </p:blipFill>
+        <p:spPr>
+          <a:xfrm>
+            <a:off x="6439834" y="351028"/>
+            <a:ext cx="3223900" cy="1074118"/>
+          </a:xfrm>
+          <a:prstGeom prst="rect">
+            <a:avLst/>
+          </a:prstGeom>
+        </p:spPr>
+      </p:pic>
+      <p:pic>
+        <p:nvPicPr>
+          <p:cNvPr id="6" name="Imagen 5"/>
+          <p:cNvPicPr/>
+          <p:nvPr/>
+        </p:nvPicPr>
+        <p:blipFill>
+          <a:blip r:embed="rId4"/>
+          <a:stretch>
+            <a:fillRect/>
+          </a:stretch>
+        </p:blipFill>
+        <p:spPr>
+          <a:xfrm>
+            <a:off x="6429997" y="2944492"/>
+            <a:ext cx="3523183" cy="3541712"/>
+          </a:xfrm>
+          <a:prstGeom prst="rect">
+            <a:avLst/>
+          </a:prstGeom>
+        </p:spPr>
+      </p:pic>
+      <p:cxnSp>
+        <p:nvCxnSpPr>
+          <p:cNvPr id="8" name="Conector recto de flecha 7"/>
+          <p:cNvCxnSpPr/>
+          <p:nvPr/>
+        </p:nvCxnSpPr>
+        <p:spPr>
+          <a:xfrm>
+            <a:off x="4173753" y="3221970"/>
+            <a:ext cx="2124410" cy="1350030"/>
+          </a:xfrm>
+          <a:prstGeom prst="straightConnector1">
+            <a:avLst/>
+          </a:prstGeom>
+          <a:ln w="38100">
+            <a:solidFill>
+              <a:srgbClr val="FF0000"/>
+            </a:solidFill>
+            <a:tailEnd type="triangle"/>
+          </a:ln>
+        </p:spPr>
+        <p:style>
+          <a:lnRef idx="1">
+            <a:schemeClr val="accent3"/>
+          </a:lnRef>
+          <a:fillRef idx="0">
+            <a:schemeClr val="accent3"/>
+          </a:fillRef>
+          <a:effectRef idx="0">
+            <a:schemeClr val="accent3"/>
+          </a:effectRef>
+          <a:fontRef idx="minor">
+            <a:schemeClr val="tx1"/>
+          </a:fontRef>
+        </p:style>
+      </p:cxnSp>
+      <p:pic>
+        <p:nvPicPr>
+          <p:cNvPr id="12" name="Imagen 11"/>
+          <p:cNvPicPr/>
+          <p:nvPr/>
+        </p:nvPicPr>
+        <p:blipFill rotWithShape="1">
+          <a:blip r:embed="rId5"/>
+          <a:srcRect l="9629" t="31329" r="5723" b="42702"/>
+          <a:stretch/>
+        </p:blipFill>
+        <p:spPr>
+          <a:xfrm>
+            <a:off x="6794397" y="1692636"/>
+            <a:ext cx="2666844" cy="1066738"/>
+          </a:xfrm>
+          <a:prstGeom prst="rect">
+            <a:avLst/>
+          </a:prstGeom>
+        </p:spPr>
+      </p:pic>
+      <p:cxnSp>
+        <p:nvCxnSpPr>
+          <p:cNvPr id="14" name="Conector recto de flecha 13"/>
+          <p:cNvCxnSpPr/>
+          <p:nvPr/>
+        </p:nvCxnSpPr>
+        <p:spPr>
+          <a:xfrm flipV="1">
+            <a:off x="3973398" y="2272550"/>
+            <a:ext cx="2707320" cy="486824"/>
+          </a:xfrm>
+          <a:prstGeom prst="straightConnector1">
+            <a:avLst/>
+          </a:prstGeom>
+          <a:ln w="38100">
+            <a:solidFill>
+              <a:srgbClr val="FF0000"/>
+            </a:solidFill>
+            <a:tailEnd type="triangle"/>
+          </a:ln>
+        </p:spPr>
+        <p:style>
+          <a:lnRef idx="1">
+            <a:schemeClr val="accent3"/>
+          </a:lnRef>
+          <a:fillRef idx="0">
+            <a:schemeClr val="accent3"/>
+          </a:fillRef>
+          <a:effectRef idx="0">
+            <a:schemeClr val="accent3"/>
+          </a:effectRef>
+          <a:fontRef idx="minor">
+            <a:schemeClr val="tx1"/>
+          </a:fontRef>
+        </p:style>
+      </p:cxnSp>
+    </p:spTree>
+    <p:extLst>
+      <p:ext uri="{BB962C8B-B14F-4D97-AF65-F5344CB8AC3E}">
+        <p14:creationId xmlns:p14="http://schemas.microsoft.com/office/powerpoint/2010/main" val="552626872"/>
+      </p:ext>
+    </p:extLst>
+  </p:cSld>
+  <p:clrMapOvr>
+    <a:masterClrMapping/>
+  </p:clrMapOvr>
+</p:sld>
+</file>
+
+<file path=ppt/slides/slide8.xml><?xml version="1.0" encoding="utf-8"?>
+<p:sld xmlns:a="http://schemas.openxmlformats.org/drawingml/2006/main" xmlns:r="http://schemas.openxmlformats.org/officeDocument/2006/relationships" xmlns:p="http://schemas.openxmlformats.org/presentationml/2006/main">
+  <p:cSld>
+    <p:spTree>
+      <p:nvGrpSpPr>
+        <p:cNvPr id="1" name=""/>
+        <p:cNvGrpSpPr/>
+        <p:nvPr/>
+      </p:nvGrpSpPr>
+      <p:grpSpPr>
+        <a:xfrm>
+          <a:off x="0" y="0"/>
+          <a:ext cx="0" cy="0"/>
+          <a:chOff x="0" y="0"/>
+          <a:chExt cx="0" cy="0"/>
+        </a:xfrm>
+      </p:grpSpPr>
+      <p:sp>
+        <p:nvSpPr>
+          <p:cNvPr id="2" name="Título 1"/>
+          <p:cNvSpPr>
+            <a:spLocks noGrp="1"/>
+          </p:cNvSpPr>
+          <p:nvPr>
+            <p:ph type="title"/>
+          </p:nvPr>
+        </p:nvSpPr>
+        <p:spPr/>
+        <p:txBody>
+          <a:bodyPr/>
+          <a:lstStyle/>
+          <a:p>
+            <a:r>
+              <a:rPr lang="es-ES" dirty="0" smtClean="0"/>
               <a:t>diagrama HTA</a:t>
             </a:r>
             <a:endParaRPr lang="es-ES" dirty="0"/>
@@ -15296,7 +15834,7 @@
 </p:sld>
 </file>
 
-<file path=ppt/slides/slide8.xml><?xml version="1.0" encoding="utf-8"?>
+<file path=ppt/slides/slide9.xml><?xml version="1.0" encoding="utf-8"?>
 <p:sld xmlns:a="http://schemas.openxmlformats.org/drawingml/2006/main" xmlns:r="http://schemas.openxmlformats.org/officeDocument/2006/relationships" xmlns:p="http://schemas.openxmlformats.org/presentationml/2006/main">
   <p:cSld>
     <p:spTree>
@@ -15373,322 +15911,6 @@
     <p:extLst>
       <p:ext uri="{BB962C8B-B14F-4D97-AF65-F5344CB8AC3E}">
         <p14:creationId xmlns:p14="http://schemas.microsoft.com/office/powerpoint/2010/main" val="2991824832"/>
-      </p:ext>
-    </p:extLst>
-  </p:cSld>
-  <p:clrMapOvr>
-    <a:masterClrMapping/>
-  </p:clrMapOvr>
-</p:sld>
-</file>
-
-<file path=ppt/slides/slide9.xml><?xml version="1.0" encoding="utf-8"?>
-<p:sld xmlns:a="http://schemas.openxmlformats.org/drawingml/2006/main" xmlns:r="http://schemas.openxmlformats.org/officeDocument/2006/relationships" xmlns:p="http://schemas.openxmlformats.org/presentationml/2006/main">
-  <p:cSld>
-    <p:spTree>
-      <p:nvGrpSpPr>
-        <p:cNvPr id="1" name=""/>
-        <p:cNvGrpSpPr/>
-        <p:nvPr/>
-      </p:nvGrpSpPr>
-      <p:grpSpPr>
-        <a:xfrm>
-          <a:off x="0" y="0"/>
-          <a:ext cx="0" cy="0"/>
-          <a:chOff x="0" y="0"/>
-          <a:chExt cx="0" cy="0"/>
-        </a:xfrm>
-      </p:grpSpPr>
-      <p:sp>
-        <p:nvSpPr>
-          <p:cNvPr id="4" name="Título 3"/>
-          <p:cNvSpPr>
-            <a:spLocks noGrp="1"/>
-          </p:cNvSpPr>
-          <p:nvPr>
-            <p:ph type="title"/>
-          </p:nvPr>
-        </p:nvSpPr>
-        <p:spPr/>
-        <p:txBody>
-          <a:bodyPr/>
-          <a:lstStyle/>
-          <a:p>
-            <a:r>
-              <a:rPr lang="es-ES" dirty="0" smtClean="0"/>
-              <a:t>DISEÑO de prototipos</a:t>
-            </a:r>
-            <a:endParaRPr lang="es-ES" dirty="0"/>
-          </a:p>
-        </p:txBody>
-      </p:sp>
-      <p:sp>
-        <p:nvSpPr>
-          <p:cNvPr id="5" name="Marcador de texto 4"/>
-          <p:cNvSpPr>
-            <a:spLocks noGrp="1"/>
-          </p:cNvSpPr>
-          <p:nvPr>
-            <p:ph type="body" idx="1"/>
-          </p:nvPr>
-        </p:nvSpPr>
-        <p:spPr>
-          <a:xfrm>
-            <a:off x="1328029" y="1844037"/>
-            <a:ext cx="3196899" cy="685800"/>
-          </a:xfrm>
-        </p:spPr>
-        <p:txBody>
-          <a:bodyPr/>
-          <a:lstStyle/>
-          <a:p>
-            <a:r>
-              <a:rPr lang="es-ES" sz="2000" dirty="0" smtClean="0"/>
-              <a:t>Primer prototipo</a:t>
-            </a:r>
-            <a:endParaRPr lang="es-ES" sz="2000" dirty="0"/>
-          </a:p>
-        </p:txBody>
-      </p:sp>
-      <p:sp>
-        <p:nvSpPr>
-          <p:cNvPr id="6" name="Marcador de texto 5"/>
-          <p:cNvSpPr>
-            <a:spLocks noGrp="1"/>
-          </p:cNvSpPr>
-          <p:nvPr>
-            <p:ph type="body" sz="quarter" idx="3"/>
-          </p:nvPr>
-        </p:nvSpPr>
-        <p:spPr>
-          <a:xfrm>
-            <a:off x="4514766" y="1847209"/>
-            <a:ext cx="3184385" cy="685800"/>
-          </a:xfrm>
-        </p:spPr>
-        <p:txBody>
-          <a:bodyPr/>
-          <a:lstStyle/>
-          <a:p>
-            <a:r>
-              <a:rPr lang="es-ES" sz="2000" dirty="0" smtClean="0"/>
-              <a:t>Segundo prototipo</a:t>
-            </a:r>
-            <a:endParaRPr lang="es-ES" sz="2000" dirty="0"/>
-          </a:p>
-        </p:txBody>
-      </p:sp>
-      <p:sp>
-        <p:nvSpPr>
-          <p:cNvPr id="7" name="Marcador de texto 6"/>
-          <p:cNvSpPr>
-            <a:spLocks noGrp="1"/>
-          </p:cNvSpPr>
-          <p:nvPr>
-            <p:ph type="body" sz="quarter" idx="13"/>
-          </p:nvPr>
-        </p:nvSpPr>
-        <p:spPr>
-          <a:xfrm>
-            <a:off x="7852442" y="1844037"/>
-            <a:ext cx="3194968" cy="685800"/>
-          </a:xfrm>
-        </p:spPr>
-        <p:txBody>
-          <a:bodyPr/>
-          <a:lstStyle/>
-          <a:p>
-            <a:r>
-              <a:rPr lang="es-ES" sz="2000" dirty="0" smtClean="0"/>
-              <a:t>Tercer prototipo</a:t>
-            </a:r>
-            <a:endParaRPr lang="es-ES" sz="2000" dirty="0"/>
-          </a:p>
-        </p:txBody>
-      </p:sp>
-      <p:pic>
-        <p:nvPicPr>
-          <p:cNvPr id="12" name="Imagen 11"/>
-          <p:cNvPicPr/>
-          <p:nvPr/>
-        </p:nvPicPr>
-        <p:blipFill>
-          <a:blip r:embed="rId2">
-            <a:extLst>
-              <a:ext uri="{28A0092B-C50C-407E-A947-70E740481C1C}">
-                <a14:useLocalDpi xmlns:a14="http://schemas.microsoft.com/office/drawing/2010/main" val="0"/>
-              </a:ext>
-            </a:extLst>
-          </a:blip>
-          <a:srcRect/>
-          <a:stretch>
-            <a:fillRect/>
-          </a:stretch>
-        </p:blipFill>
-        <p:spPr bwMode="auto">
-          <a:xfrm>
-            <a:off x="1235962" y="2529836"/>
-            <a:ext cx="2356324" cy="3299105"/>
-          </a:xfrm>
-          <a:prstGeom prst="rect">
-            <a:avLst/>
-          </a:prstGeom>
-          <a:noFill/>
-          <a:ln>
-            <a:noFill/>
-          </a:ln>
-        </p:spPr>
-      </p:pic>
-      <p:pic>
-        <p:nvPicPr>
-          <p:cNvPr id="13" name="Imagen 12"/>
-          <p:cNvPicPr/>
-          <p:nvPr/>
-        </p:nvPicPr>
-        <p:blipFill>
-          <a:blip r:embed="rId3">
-            <a:extLst>
-              <a:ext uri="{28A0092B-C50C-407E-A947-70E740481C1C}">
-                <a14:useLocalDpi xmlns:a14="http://schemas.microsoft.com/office/drawing/2010/main" val="0"/>
-              </a:ext>
-            </a:extLst>
-          </a:blip>
-          <a:srcRect/>
-          <a:stretch>
-            <a:fillRect/>
-          </a:stretch>
-        </p:blipFill>
-        <p:spPr bwMode="auto">
-          <a:xfrm>
-            <a:off x="4720037" y="2514600"/>
-            <a:ext cx="2178026" cy="3314341"/>
-          </a:xfrm>
-          <a:prstGeom prst="rect">
-            <a:avLst/>
-          </a:prstGeom>
-          <a:noFill/>
-          <a:ln>
-            <a:noFill/>
-          </a:ln>
-        </p:spPr>
-      </p:pic>
-      <p:pic>
-        <p:nvPicPr>
-          <p:cNvPr id="14" name="Imagen 13"/>
-          <p:cNvPicPr/>
-          <p:nvPr/>
-        </p:nvPicPr>
-        <p:blipFill>
-          <a:blip r:embed="rId4">
-            <a:extLst>
-              <a:ext uri="{28A0092B-C50C-407E-A947-70E740481C1C}">
-                <a14:useLocalDpi xmlns:a14="http://schemas.microsoft.com/office/drawing/2010/main" val="0"/>
-              </a:ext>
-            </a:extLst>
-          </a:blip>
-          <a:srcRect/>
-          <a:stretch>
-            <a:fillRect/>
-          </a:stretch>
-        </p:blipFill>
-        <p:spPr bwMode="auto">
-          <a:xfrm>
-            <a:off x="7899096" y="2514600"/>
-            <a:ext cx="2196628" cy="3313146"/>
-          </a:xfrm>
-          <a:prstGeom prst="rect">
-            <a:avLst/>
-          </a:prstGeom>
-          <a:noFill/>
-          <a:ln>
-            <a:noFill/>
-          </a:ln>
-        </p:spPr>
-      </p:pic>
-      <p:sp>
-        <p:nvSpPr>
-          <p:cNvPr id="15" name="Flecha derecha 14"/>
-          <p:cNvSpPr/>
-          <p:nvPr/>
-        </p:nvSpPr>
-        <p:spPr>
-          <a:xfrm>
-            <a:off x="3984174" y="4002833"/>
-            <a:ext cx="391885" cy="326571"/>
-          </a:xfrm>
-          <a:prstGeom prst="rightArrow">
-            <a:avLst/>
-          </a:prstGeom>
-        </p:spPr>
-        <p:style>
-          <a:lnRef idx="2">
-            <a:schemeClr val="accent1">
-              <a:shade val="50000"/>
-            </a:schemeClr>
-          </a:lnRef>
-          <a:fillRef idx="1">
-            <a:schemeClr val="accent1"/>
-          </a:fillRef>
-          <a:effectRef idx="0">
-            <a:schemeClr val="accent1"/>
-          </a:effectRef>
-          <a:fontRef idx="minor">
-            <a:schemeClr val="lt1"/>
-          </a:fontRef>
-        </p:style>
-        <p:txBody>
-          <a:bodyPr rtlCol="0" anchor="ctr"/>
-          <a:lstStyle/>
-          <a:p>
-            <a:pPr algn="ctr"/>
-            <a:endParaRPr lang="es-ES"/>
-          </a:p>
-        </p:txBody>
-      </p:sp>
-      <p:sp>
-        <p:nvSpPr>
-          <p:cNvPr id="16" name="Flecha derecha 15"/>
-          <p:cNvSpPr/>
-          <p:nvPr/>
-        </p:nvSpPr>
-        <p:spPr>
-          <a:xfrm>
-            <a:off x="7242772" y="4002833"/>
-            <a:ext cx="391885" cy="326571"/>
-          </a:xfrm>
-          <a:prstGeom prst="rightArrow">
-            <a:avLst/>
-          </a:prstGeom>
-        </p:spPr>
-        <p:style>
-          <a:lnRef idx="2">
-            <a:schemeClr val="accent1">
-              <a:shade val="50000"/>
-            </a:schemeClr>
-          </a:lnRef>
-          <a:fillRef idx="1">
-            <a:schemeClr val="accent1"/>
-          </a:fillRef>
-          <a:effectRef idx="0">
-            <a:schemeClr val="accent1"/>
-          </a:effectRef>
-          <a:fontRef idx="minor">
-            <a:schemeClr val="lt1"/>
-          </a:fontRef>
-        </p:style>
-        <p:txBody>
-          <a:bodyPr rtlCol="0" anchor="ctr"/>
-          <a:lstStyle/>
-          <a:p>
-            <a:pPr algn="ctr"/>
-            <a:endParaRPr lang="es-ES"/>
-          </a:p>
-        </p:txBody>
-      </p:sp>
-    </p:spTree>
-    <p:extLst>
-      <p:ext uri="{BB962C8B-B14F-4D97-AF65-F5344CB8AC3E}">
-        <p14:creationId xmlns:p14="http://schemas.microsoft.com/office/powerpoint/2010/main" val="1704382826"/>
       </p:ext>
     </p:extLst>
   </p:cSld>
